--- a/Презентация Microsoft PowerPoint (2).pptx
+++ b/Презентация Microsoft PowerPoint (2).pptx
@@ -7,11 +7,11 @@
   <p:sldIdLst>
     <p:sldId id="256" r:id="rId2"/>
     <p:sldId id="257" r:id="rId3"/>
-    <p:sldId id="258" r:id="rId4"/>
-    <p:sldId id="260" r:id="rId5"/>
-    <p:sldId id="259" r:id="rId6"/>
-    <p:sldId id="261" r:id="rId7"/>
-    <p:sldId id="262" r:id="rId8"/>
+    <p:sldId id="260" r:id="rId4"/>
+    <p:sldId id="267" r:id="rId5"/>
+    <p:sldId id="264" r:id="rId6"/>
+    <p:sldId id="265" r:id="rId7"/>
+    <p:sldId id="266" r:id="rId8"/>
     <p:sldId id="263" r:id="rId9"/>
   </p:sldIdLst>
   <p:sldSz cx="12192000" cy="6858000"/>
@@ -111,6 +111,11 @@
       </a:defRPr>
     </a:lvl9pPr>
   </p:defaultTextStyle>
+  <p:extLst>
+    <p:ext uri="{EFAFB233-063F-42B5-8137-9DF3F51BA10A}">
+      <p15:sldGuideLst xmlns:p15="http://schemas.microsoft.com/office/powerpoint/2012/main"/>
+    </p:ext>
+  </p:extLst>
 </p:presentation>
 </file>
 
@@ -7729,11 +7734,11 @@
           <a:p>
             <a:r>
               <a:rPr lang="ru-RU" dirty="0"/>
-              <a:t>Сделал Масалов Никита 3 курс </a:t>
-            </a:r>
-            <a:r>
-              <a:rPr lang="ru-RU" dirty="0" err="1"/>
-              <a:t>Исип</a:t>
+              <a:t>Сделал Масалов Н.М.3 </a:t>
+            </a:r>
+            <a:r>
+              <a:rPr lang="ru-RU"/>
+              <a:t>курс </a:t>
             </a:r>
             <a:endParaRPr lang="ru-RU" dirty="0"/>
           </a:p>
@@ -7877,131 +7882,6 @@
 </file>
 
 <file path=ppt/slides/slide3.xml><?xml version="1.0" encoding="utf-8"?>
-<p:sld xmlns:a="http://schemas.openxmlformats.org/drawingml/2006/main" xmlns:r="http://schemas.openxmlformats.org/officeDocument/2006/relationships" xmlns:p="http://schemas.openxmlformats.org/presentationml/2006/main">
-  <p:cSld>
-    <p:spTree>
-      <p:nvGrpSpPr>
-        <p:cNvPr id="1" name=""/>
-        <p:cNvGrpSpPr/>
-        <p:nvPr/>
-      </p:nvGrpSpPr>
-      <p:grpSpPr>
-        <a:xfrm>
-          <a:off x="0" y="0"/>
-          <a:ext cx="0" cy="0"/>
-          <a:chOff x="0" y="0"/>
-          <a:chExt cx="0" cy="0"/>
-        </a:xfrm>
-      </p:grpSpPr>
-      <p:sp>
-        <p:nvSpPr>
-          <p:cNvPr id="2" name="Заголовок 1">
-            <a:extLst>
-              <a:ext uri="{FF2B5EF4-FFF2-40B4-BE49-F238E27FC236}">
-                <a16:creationId xmlns:a16="http://schemas.microsoft.com/office/drawing/2014/main" id="{D993139B-D2A7-85A9-7AF0-BAA3FE865385}"/>
-              </a:ext>
-            </a:extLst>
-          </p:cNvPr>
-          <p:cNvSpPr>
-            <a:spLocks noGrp="1"/>
-          </p:cNvSpPr>
-          <p:nvPr>
-            <p:ph type="title"/>
-          </p:nvPr>
-        </p:nvSpPr>
-        <p:spPr/>
-        <p:txBody>
-          <a:bodyPr/>
-          <a:lstStyle/>
-          <a:p>
-            <a:r>
-              <a:rPr lang="ru-RU" dirty="0"/>
-              <a:t>Архитектура приложения</a:t>
-            </a:r>
-          </a:p>
-        </p:txBody>
-      </p:sp>
-      <p:sp>
-        <p:nvSpPr>
-          <p:cNvPr id="3" name="Объект 2">
-            <a:extLst>
-              <a:ext uri="{FF2B5EF4-FFF2-40B4-BE49-F238E27FC236}">
-                <a16:creationId xmlns:a16="http://schemas.microsoft.com/office/drawing/2014/main" id="{18624236-E89D-0D24-C565-5E99D870A625}"/>
-              </a:ext>
-            </a:extLst>
-          </p:cNvPr>
-          <p:cNvSpPr>
-            <a:spLocks noGrp="1"/>
-          </p:cNvSpPr>
-          <p:nvPr>
-            <p:ph idx="1"/>
-          </p:nvPr>
-        </p:nvSpPr>
-        <p:spPr/>
-        <p:txBody>
-          <a:bodyPr/>
-          <a:lstStyle/>
-          <a:p>
-            <a:endParaRPr lang="ru-RU" dirty="0"/>
-          </a:p>
-        </p:txBody>
-      </p:sp>
-      <p:pic>
-        <p:nvPicPr>
-          <p:cNvPr id="5" name="Рисунок 4">
-            <a:extLst>
-              <a:ext uri="{FF2B5EF4-FFF2-40B4-BE49-F238E27FC236}">
-                <a16:creationId xmlns:a16="http://schemas.microsoft.com/office/drawing/2014/main" id="{304349E5-0557-D10D-AB00-9B1D65E30390}"/>
-              </a:ext>
-            </a:extLst>
-          </p:cNvPr>
-          <p:cNvPicPr>
-            <a:picLocks noChangeAspect="1"/>
-          </p:cNvPicPr>
-          <p:nvPr/>
-        </p:nvPicPr>
-        <p:blipFill>
-          <a:blip r:embed="rId2">
-            <a:extLst>
-              <a:ext uri="{BEBA8EAE-BF5A-486C-A8C5-ECC9F3942E4B}">
-                <a14:imgProps xmlns:a14="http://schemas.microsoft.com/office/drawing/2010/main">
-                  <a14:imgLayer r:embed="rId3">
-                    <a14:imgEffect>
-                      <a14:backgroundRemoval t="10000" b="90000" l="10000" r="90000"/>
-                    </a14:imgEffect>
-                  </a14:imgLayer>
-                </a14:imgProps>
-              </a:ext>
-            </a:extLst>
-          </a:blip>
-          <a:stretch>
-            <a:fillRect/>
-          </a:stretch>
-        </p:blipFill>
-        <p:spPr>
-          <a:xfrm>
-            <a:off x="1636110" y="1554076"/>
-            <a:ext cx="9252590" cy="4357146"/>
-          </a:xfrm>
-          <a:prstGeom prst="rect">
-            <a:avLst/>
-          </a:prstGeom>
-        </p:spPr>
-      </p:pic>
-    </p:spTree>
-    <p:extLst>
-      <p:ext uri="{BB962C8B-B14F-4D97-AF65-F5344CB8AC3E}">
-        <p14:creationId xmlns:p14="http://schemas.microsoft.com/office/powerpoint/2010/main" val="3094858760"/>
-      </p:ext>
-    </p:extLst>
-  </p:cSld>
-  <p:clrMapOvr>
-    <a:masterClrMapping/>
-  </p:clrMapOvr>
-</p:sld>
-</file>
-
-<file path=ppt/slides/slide4.xml><?xml version="1.0" encoding="utf-8"?>
 <p:sld xmlns:a="http://schemas.openxmlformats.org/drawingml/2006/main" xmlns:r="http://schemas.openxmlformats.org/officeDocument/2006/relationships" xmlns:p="http://schemas.openxmlformats.org/presentationml/2006/main">
   <p:cSld>
     <p:spTree>
@@ -8115,6 +7995,124 @@
 </p:sld>
 </file>
 
+<file path=ppt/slides/slide4.xml><?xml version="1.0" encoding="utf-8"?>
+<p:sld xmlns:a="http://schemas.openxmlformats.org/drawingml/2006/main" xmlns:r="http://schemas.openxmlformats.org/officeDocument/2006/relationships" xmlns:p="http://schemas.openxmlformats.org/presentationml/2006/main">
+  <p:cSld>
+    <p:spTree>
+      <p:nvGrpSpPr>
+        <p:cNvPr id="1" name=""/>
+        <p:cNvGrpSpPr/>
+        <p:nvPr/>
+      </p:nvGrpSpPr>
+      <p:grpSpPr>
+        <a:xfrm>
+          <a:off x="0" y="0"/>
+          <a:ext cx="0" cy="0"/>
+          <a:chOff x="0" y="0"/>
+          <a:chExt cx="0" cy="0"/>
+        </a:xfrm>
+      </p:grpSpPr>
+      <p:sp>
+        <p:nvSpPr>
+          <p:cNvPr id="2" name="Заголовок 1">
+            <a:extLst>
+              <a:ext uri="{FF2B5EF4-FFF2-40B4-BE49-F238E27FC236}">
+                <a16:creationId xmlns:a16="http://schemas.microsoft.com/office/drawing/2014/main" id="{F65C0A9E-75A2-3418-842A-9D23EC3457C4}"/>
+              </a:ext>
+            </a:extLst>
+          </p:cNvPr>
+          <p:cNvSpPr>
+            <a:spLocks noGrp="1"/>
+          </p:cNvSpPr>
+          <p:nvPr>
+            <p:ph type="title"/>
+          </p:nvPr>
+        </p:nvSpPr>
+        <p:spPr/>
+        <p:txBody>
+          <a:bodyPr/>
+          <a:lstStyle/>
+          <a:p>
+            <a:r>
+              <a:rPr lang="ru-RU" dirty="0"/>
+              <a:t>Окно логина и </a:t>
+            </a:r>
+            <a:r>
+              <a:rPr lang="ru-RU" dirty="0" err="1"/>
+              <a:t>регестрации</a:t>
+            </a:r>
+            <a:endParaRPr lang="ru-RU" dirty="0"/>
+          </a:p>
+        </p:txBody>
+      </p:sp>
+      <p:sp>
+        <p:nvSpPr>
+          <p:cNvPr id="3" name="Объект 2">
+            <a:extLst>
+              <a:ext uri="{FF2B5EF4-FFF2-40B4-BE49-F238E27FC236}">
+                <a16:creationId xmlns:a16="http://schemas.microsoft.com/office/drawing/2014/main" id="{F1E26531-D415-5A6B-CED0-D948D3CD22B1}"/>
+              </a:ext>
+            </a:extLst>
+          </p:cNvPr>
+          <p:cNvSpPr>
+            <a:spLocks noGrp="1"/>
+          </p:cNvSpPr>
+          <p:nvPr>
+            <p:ph idx="1"/>
+          </p:nvPr>
+        </p:nvSpPr>
+        <p:spPr/>
+        <p:txBody>
+          <a:bodyPr/>
+          <a:lstStyle/>
+          <a:p>
+            <a:endParaRPr lang="ru-RU"/>
+          </a:p>
+        </p:txBody>
+      </p:sp>
+      <p:pic>
+        <p:nvPicPr>
+          <p:cNvPr id="5" name="Рисунок 4">
+            <a:extLst>
+              <a:ext uri="{FF2B5EF4-FFF2-40B4-BE49-F238E27FC236}">
+                <a16:creationId xmlns:a16="http://schemas.microsoft.com/office/drawing/2014/main" id="{E81E42B8-ECC5-BA39-688C-CDFCA82474D0}"/>
+              </a:ext>
+            </a:extLst>
+          </p:cNvPr>
+          <p:cNvPicPr>
+            <a:picLocks noChangeAspect="1"/>
+          </p:cNvPicPr>
+          <p:nvPr/>
+        </p:nvPicPr>
+        <p:blipFill>
+          <a:blip r:embed="rId2"/>
+          <a:stretch>
+            <a:fillRect/>
+          </a:stretch>
+        </p:blipFill>
+        <p:spPr>
+          <a:xfrm>
+            <a:off x="0" y="1348171"/>
+            <a:ext cx="12192000" cy="5990457"/>
+          </a:xfrm>
+          <a:prstGeom prst="rect">
+            <a:avLst/>
+          </a:prstGeom>
+        </p:spPr>
+      </p:pic>
+    </p:spTree>
+    <p:extLst>
+      <p:ext uri="{BB962C8B-B14F-4D97-AF65-F5344CB8AC3E}">
+        <p14:creationId xmlns:p14="http://schemas.microsoft.com/office/powerpoint/2010/main" val="3230395378"/>
+      </p:ext>
+    </p:extLst>
+  </p:cSld>
+  <p:clrMapOvr>
+    <a:masterClrMapping/>
+  </p:clrMapOvr>
+</p:sld>
+</file>
+
 <file path=ppt/slides/slide5.xml><?xml version="1.0" encoding="utf-8"?>
 <p:sld xmlns:a="http://schemas.openxmlformats.org/drawingml/2006/main" xmlns:r="http://schemas.openxmlformats.org/officeDocument/2006/relationships" xmlns:p="http://schemas.openxmlformats.org/presentationml/2006/main">
   <p:cSld>
@@ -8137,7 +8135,7 @@
           <p:cNvPr id="2" name="Заголовок 1">
             <a:extLst>
               <a:ext uri="{FF2B5EF4-FFF2-40B4-BE49-F238E27FC236}">
-                <a16:creationId xmlns:a16="http://schemas.microsoft.com/office/drawing/2014/main" id="{E9324E58-41C1-BC58-8FCC-E96B766405A0}"/>
+                <a16:creationId xmlns:a16="http://schemas.microsoft.com/office/drawing/2014/main" id="{A9D0D9F0-1C29-5401-2BDB-DDC6D12A0CE0}"/>
               </a:ext>
             </a:extLst>
           </p:cNvPr>
@@ -8155,7 +8153,7 @@
           <a:p>
             <a:r>
               <a:rPr lang="ru-RU" dirty="0"/>
-              <a:t>Пример Дизайна</a:t>
+              <a:t>Главная страница</a:t>
             </a:r>
           </a:p>
         </p:txBody>
@@ -8165,7 +8163,7 @@
           <p:cNvPr id="3" name="Объект 2">
             <a:extLst>
               <a:ext uri="{FF2B5EF4-FFF2-40B4-BE49-F238E27FC236}">
-                <a16:creationId xmlns:a16="http://schemas.microsoft.com/office/drawing/2014/main" id="{6AB409C6-62A6-3D9F-9171-69E61448DD6D}"/>
+                <a16:creationId xmlns:a16="http://schemas.microsoft.com/office/drawing/2014/main" id="{8F83033A-2640-4405-0227-C393C1C55202}"/>
               </a:ext>
             </a:extLst>
           </p:cNvPr>
@@ -8181,16 +8179,16 @@
           <a:bodyPr/>
           <a:lstStyle/>
           <a:p>
-            <a:endParaRPr lang="ru-RU"/>
+            <a:endParaRPr lang="ru-RU" dirty="0"/>
           </a:p>
         </p:txBody>
       </p:sp>
       <p:pic>
         <p:nvPicPr>
-          <p:cNvPr id="5" name="Рисунок 4">
+          <p:cNvPr id="10" name="Рисунок 9">
             <a:extLst>
               <a:ext uri="{FF2B5EF4-FFF2-40B4-BE49-F238E27FC236}">
-                <a16:creationId xmlns:a16="http://schemas.microsoft.com/office/drawing/2014/main" id="{9987C1B7-367C-433B-C851-42CBAF41FFF0}"/>
+                <a16:creationId xmlns:a16="http://schemas.microsoft.com/office/drawing/2014/main" id="{67E1B44E-EF57-8E57-F653-195377E3F1CC}"/>
               </a:ext>
             </a:extLst>
           </p:cNvPr>
@@ -8207,38 +8205,8 @@
         </p:blipFill>
         <p:spPr>
           <a:xfrm>
-            <a:off x="918965" y="1760400"/>
-            <a:ext cx="6387091" cy="3337200"/>
-          </a:xfrm>
-          <a:prstGeom prst="rect">
-            <a:avLst/>
-          </a:prstGeom>
-        </p:spPr>
-      </p:pic>
-      <p:pic>
-        <p:nvPicPr>
-          <p:cNvPr id="7" name="Рисунок 6">
-            <a:extLst>
-              <a:ext uri="{FF2B5EF4-FFF2-40B4-BE49-F238E27FC236}">
-                <a16:creationId xmlns:a16="http://schemas.microsoft.com/office/drawing/2014/main" id="{3F6C0E7B-FE99-38B6-0CB3-B3B232C1A75B}"/>
-              </a:ext>
-            </a:extLst>
-          </p:cNvPr>
-          <p:cNvPicPr>
-            <a:picLocks noChangeAspect="1"/>
-          </p:cNvPicPr>
-          <p:nvPr/>
-        </p:nvPicPr>
-        <p:blipFill>
-          <a:blip r:embed="rId3"/>
-          <a:stretch>
-            <a:fillRect/>
-          </a:stretch>
-        </p:blipFill>
-        <p:spPr>
-          <a:xfrm>
-            <a:off x="2269729" y="4563160"/>
-            <a:ext cx="9754631" cy="1815279"/>
+            <a:off x="173736" y="1491778"/>
+            <a:ext cx="12018264" cy="3124636"/>
           </a:xfrm>
           <a:prstGeom prst="rect">
             <a:avLst/>
@@ -8248,7 +8216,7 @@
     </p:spTree>
     <p:extLst>
       <p:ext uri="{BB962C8B-B14F-4D97-AF65-F5344CB8AC3E}">
-        <p14:creationId xmlns:p14="http://schemas.microsoft.com/office/powerpoint/2010/main" val="2718111012"/>
+        <p14:creationId xmlns:p14="http://schemas.microsoft.com/office/powerpoint/2010/main" val="1252478305"/>
       </p:ext>
     </p:extLst>
   </p:cSld>
@@ -8280,7 +8248,7 @@
           <p:cNvPr id="2" name="Заголовок 1">
             <a:extLst>
               <a:ext uri="{FF2B5EF4-FFF2-40B4-BE49-F238E27FC236}">
-                <a16:creationId xmlns:a16="http://schemas.microsoft.com/office/drawing/2014/main" id="{53CE3FEF-3181-C19D-1879-82409959930C}"/>
+                <a16:creationId xmlns:a16="http://schemas.microsoft.com/office/drawing/2014/main" id="{8657D369-04C0-C81E-3BF2-DEB2849B3C0B}"/>
               </a:ext>
             </a:extLst>
           </p:cNvPr>
@@ -8298,7 +8266,7 @@
           <a:p>
             <a:r>
               <a:rPr lang="ru-RU" dirty="0"/>
-              <a:t>Пример кода</a:t>
+              <a:t>Информация о пользователе</a:t>
             </a:r>
           </a:p>
         </p:txBody>
@@ -8308,7 +8276,7 @@
           <p:cNvPr id="3" name="Объект 2">
             <a:extLst>
               <a:ext uri="{FF2B5EF4-FFF2-40B4-BE49-F238E27FC236}">
-                <a16:creationId xmlns:a16="http://schemas.microsoft.com/office/drawing/2014/main" id="{5893792D-F1EF-E570-FD8B-6B3E2B0DC49B}"/>
+                <a16:creationId xmlns:a16="http://schemas.microsoft.com/office/drawing/2014/main" id="{A70ACECE-633F-EBA4-4B3B-9BC2949B48B1}"/>
               </a:ext>
             </a:extLst>
           </p:cNvPr>
@@ -8333,7 +8301,7 @@
           <p:cNvPr id="5" name="Рисунок 4">
             <a:extLst>
               <a:ext uri="{FF2B5EF4-FFF2-40B4-BE49-F238E27FC236}">
-                <a16:creationId xmlns:a16="http://schemas.microsoft.com/office/drawing/2014/main" id="{194C93BD-3B1C-1AA7-6F48-03DA00FAC298}"/>
+                <a16:creationId xmlns:a16="http://schemas.microsoft.com/office/drawing/2014/main" id="{6EFEB951-950F-4948-62D8-C11B37A9DBD1}"/>
               </a:ext>
             </a:extLst>
           </p:cNvPr>
@@ -8350,8 +8318,38 @@
         </p:blipFill>
         <p:spPr>
           <a:xfrm>
-            <a:off x="2589212" y="1905000"/>
-            <a:ext cx="8402223" cy="4020111"/>
+            <a:off x="2589212" y="1607362"/>
+            <a:ext cx="6239746" cy="2124371"/>
+          </a:xfrm>
+          <a:prstGeom prst="rect">
+            <a:avLst/>
+          </a:prstGeom>
+        </p:spPr>
+      </p:pic>
+      <p:pic>
+        <p:nvPicPr>
+          <p:cNvPr id="7" name="Рисунок 6">
+            <a:extLst>
+              <a:ext uri="{FF2B5EF4-FFF2-40B4-BE49-F238E27FC236}">
+                <a16:creationId xmlns:a16="http://schemas.microsoft.com/office/drawing/2014/main" id="{614C67D7-D8AE-E53C-F1A9-91E253E93F98}"/>
+              </a:ext>
+            </a:extLst>
+          </p:cNvPr>
+          <p:cNvPicPr>
+            <a:picLocks noChangeAspect="1"/>
+          </p:cNvPicPr>
+          <p:nvPr/>
+        </p:nvPicPr>
+        <p:blipFill>
+          <a:blip r:embed="rId3"/>
+          <a:stretch>
+            <a:fillRect/>
+          </a:stretch>
+        </p:blipFill>
+        <p:spPr>
+          <a:xfrm>
+            <a:off x="2589212" y="4022411"/>
+            <a:ext cx="6296904" cy="2095792"/>
           </a:xfrm>
           <a:prstGeom prst="rect">
             <a:avLst/>
@@ -8361,7 +8359,7 @@
     </p:spTree>
     <p:extLst>
       <p:ext uri="{BB962C8B-B14F-4D97-AF65-F5344CB8AC3E}">
-        <p14:creationId xmlns:p14="http://schemas.microsoft.com/office/powerpoint/2010/main" val="1327194530"/>
+        <p14:creationId xmlns:p14="http://schemas.microsoft.com/office/powerpoint/2010/main" val="2634338774"/>
       </p:ext>
     </p:extLst>
   </p:cSld>
@@ -8393,7 +8391,7 @@
           <p:cNvPr id="2" name="Заголовок 1">
             <a:extLst>
               <a:ext uri="{FF2B5EF4-FFF2-40B4-BE49-F238E27FC236}">
-                <a16:creationId xmlns:a16="http://schemas.microsoft.com/office/drawing/2014/main" id="{1FECFE81-9418-4B7D-E80D-1F2A1640C9FB}"/>
+                <a16:creationId xmlns:a16="http://schemas.microsoft.com/office/drawing/2014/main" id="{9965E635-401F-6C80-AE4D-3CA82B07359D}"/>
               </a:ext>
             </a:extLst>
           </p:cNvPr>
@@ -8411,7 +8409,7 @@
           <a:p>
             <a:r>
               <a:rPr lang="ru-RU" dirty="0"/>
-              <a:t>Преимущества приложения</a:t>
+              <a:t>Окно курьера</a:t>
             </a:r>
           </a:p>
         </p:txBody>
@@ -8421,7 +8419,7 @@
           <p:cNvPr id="3" name="Объект 2">
             <a:extLst>
               <a:ext uri="{FF2B5EF4-FFF2-40B4-BE49-F238E27FC236}">
-                <a16:creationId xmlns:a16="http://schemas.microsoft.com/office/drawing/2014/main" id="{BAF2416A-8761-0C5C-FEAD-A26A5BE35D0A}"/>
+                <a16:creationId xmlns:a16="http://schemas.microsoft.com/office/drawing/2014/main" id="{1739250A-A37E-F53C-6E69-F04F5F3B36A2}"/>
               </a:ext>
             </a:extLst>
           </p:cNvPr>
@@ -8437,29 +8435,44 @@
           <a:bodyPr/>
           <a:lstStyle/>
           <a:p>
-            <a:r>
-              <a:rPr lang="ru-RU" dirty="0"/>
-              <a:t>Интуитивно понятный интерфейс</a:t>
-            </a:r>
-          </a:p>
-          <a:p>
-            <a:r>
-              <a:rPr lang="ru-RU" dirty="0"/>
-              <a:t>Надежное хранение паролей</a:t>
-            </a:r>
-          </a:p>
-          <a:p>
-            <a:r>
-              <a:rPr lang="ru-RU" dirty="0"/>
-              <a:t>Кроссплатформенность</a:t>
-            </a:r>
-          </a:p>
-        </p:txBody>
-      </p:sp>
+            <a:endParaRPr lang="ru-RU"/>
+          </a:p>
+        </p:txBody>
+      </p:sp>
+      <p:pic>
+        <p:nvPicPr>
+          <p:cNvPr id="5" name="Рисунок 4">
+            <a:extLst>
+              <a:ext uri="{FF2B5EF4-FFF2-40B4-BE49-F238E27FC236}">
+                <a16:creationId xmlns:a16="http://schemas.microsoft.com/office/drawing/2014/main" id="{007BA512-49D8-B644-51C0-64427E71605C}"/>
+              </a:ext>
+            </a:extLst>
+          </p:cNvPr>
+          <p:cNvPicPr>
+            <a:picLocks noChangeAspect="1"/>
+          </p:cNvPicPr>
+          <p:nvPr/>
+        </p:nvPicPr>
+        <p:blipFill>
+          <a:blip r:embed="rId2"/>
+          <a:stretch>
+            <a:fillRect/>
+          </a:stretch>
+        </p:blipFill>
+        <p:spPr>
+          <a:xfrm>
+            <a:off x="2589212" y="1794501"/>
+            <a:ext cx="8345065" cy="2848373"/>
+          </a:xfrm>
+          <a:prstGeom prst="rect">
+            <a:avLst/>
+          </a:prstGeom>
+        </p:spPr>
+      </p:pic>
     </p:spTree>
     <p:extLst>
       <p:ext uri="{BB962C8B-B14F-4D97-AF65-F5344CB8AC3E}">
-        <p14:creationId xmlns:p14="http://schemas.microsoft.com/office/powerpoint/2010/main" val="4278076036"/>
+        <p14:creationId xmlns:p14="http://schemas.microsoft.com/office/powerpoint/2010/main" val="4154793270"/>
       </p:ext>
     </p:extLst>
   </p:cSld>

--- a/Презентация Microsoft PowerPoint (2).pptx
+++ b/Презентация Microsoft PowerPoint (2).pptx
@@ -7734,13 +7734,8 @@
           <a:p>
             <a:r>
               <a:rPr lang="ru-RU" dirty="0"/>
-              <a:t>Сделал Масалов Н.М.3 </a:t>
-            </a:r>
-            <a:r>
-              <a:rPr lang="ru-RU"/>
-              <a:t>курс </a:t>
-            </a:r>
-            <a:endParaRPr lang="ru-RU" dirty="0"/>
+              <a:t>Сделал Масалов Н.М. 3 курс </a:t>
+            </a:r>
           </a:p>
         </p:txBody>
       </p:sp>
@@ -8207,6 +8202,36 @@
           <a:xfrm>
             <a:off x="173736" y="1491778"/>
             <a:ext cx="12018264" cy="3124636"/>
+          </a:xfrm>
+          <a:prstGeom prst="rect">
+            <a:avLst/>
+          </a:prstGeom>
+        </p:spPr>
+      </p:pic>
+      <p:pic>
+        <p:nvPicPr>
+          <p:cNvPr id="12" name="Рисунок 11">
+            <a:extLst>
+              <a:ext uri="{FF2B5EF4-FFF2-40B4-BE49-F238E27FC236}">
+                <a16:creationId xmlns:a16="http://schemas.microsoft.com/office/drawing/2014/main" id="{F1FADD83-6B18-60BC-CE8B-5BFD66B08695}"/>
+              </a:ext>
+            </a:extLst>
+          </p:cNvPr>
+          <p:cNvPicPr>
+            <a:picLocks noChangeAspect="1"/>
+          </p:cNvPicPr>
+          <p:nvPr/>
+        </p:nvPicPr>
+        <p:blipFill>
+          <a:blip r:embed="rId3"/>
+          <a:stretch>
+            <a:fillRect/>
+          </a:stretch>
+        </p:blipFill>
+        <p:spPr>
+          <a:xfrm>
+            <a:off x="6350868" y="4148819"/>
+            <a:ext cx="5153744" cy="1991003"/>
           </a:xfrm>
           <a:prstGeom prst="rect">
             <a:avLst/>

--- a/Презентация Microsoft PowerPoint (2).pptx
+++ b/Презентация Microsoft PowerPoint (2).pptx
@@ -7734,7 +7734,7 @@
           <a:p>
             <a:r>
               <a:rPr lang="ru-RU" dirty="0"/>
-              <a:t>Сделал Масалов Н.М. 3 курс </a:t>
+              <a:t>Масалов Н.М. ИСИП-3</a:t>
             </a:r>
           </a:p>
         </p:txBody>
@@ -7893,66 +7893,12 @@
           <a:chExt cx="0" cy="0"/>
         </a:xfrm>
       </p:grpSpPr>
-      <p:sp>
-        <p:nvSpPr>
-          <p:cNvPr id="2" name="Заголовок 1">
+      <p:pic>
+        <p:nvPicPr>
+          <p:cNvPr id="5" name="Рисунок 4">
             <a:extLst>
               <a:ext uri="{FF2B5EF4-FFF2-40B4-BE49-F238E27FC236}">
-                <a16:creationId xmlns:a16="http://schemas.microsoft.com/office/drawing/2014/main" id="{24C823EF-B789-5A8A-CFF6-2AE0333FFA0B}"/>
-              </a:ext>
-            </a:extLst>
-          </p:cNvPr>
-          <p:cNvSpPr>
-            <a:spLocks noGrp="1"/>
-          </p:cNvSpPr>
-          <p:nvPr>
-            <p:ph type="title"/>
-          </p:nvPr>
-        </p:nvSpPr>
-        <p:spPr/>
-        <p:txBody>
-          <a:bodyPr/>
-          <a:lstStyle/>
-          <a:p>
-            <a:r>
-              <a:rPr lang="en-US" dirty="0"/>
-              <a:t>EERD Diagram</a:t>
-            </a:r>
-            <a:endParaRPr lang="ru-RU" dirty="0"/>
-          </a:p>
-        </p:txBody>
-      </p:sp>
-      <p:sp>
-        <p:nvSpPr>
-          <p:cNvPr id="3" name="Объект 2">
-            <a:extLst>
-              <a:ext uri="{FF2B5EF4-FFF2-40B4-BE49-F238E27FC236}">
-                <a16:creationId xmlns:a16="http://schemas.microsoft.com/office/drawing/2014/main" id="{E3A7D4FD-7AB9-EF3C-C92B-64A592C34E57}"/>
-              </a:ext>
-            </a:extLst>
-          </p:cNvPr>
-          <p:cNvSpPr>
-            <a:spLocks noGrp="1"/>
-          </p:cNvSpPr>
-          <p:nvPr>
-            <p:ph idx="1"/>
-          </p:nvPr>
-        </p:nvSpPr>
-        <p:spPr/>
-        <p:txBody>
-          <a:bodyPr/>
-          <a:lstStyle/>
-          <a:p>
-            <a:endParaRPr lang="ru-RU" dirty="0"/>
-          </a:p>
-        </p:txBody>
-      </p:sp>
-      <p:pic>
-        <p:nvPicPr>
-          <p:cNvPr id="7" name="Рисунок 6">
-            <a:extLst>
-              <a:ext uri="{FF2B5EF4-FFF2-40B4-BE49-F238E27FC236}">
-                <a16:creationId xmlns:a16="http://schemas.microsoft.com/office/drawing/2014/main" id="{3CEBDDCB-BBFD-AB33-0695-086AA650044E}"/>
+                <a16:creationId xmlns:a16="http://schemas.microsoft.com/office/drawing/2014/main" id="{E89089BA-AF1B-F2AC-59B1-B5705A877717}"/>
               </a:ext>
             </a:extLst>
           </p:cNvPr>
@@ -7969,14 +7915,44 @@
         </p:blipFill>
         <p:spPr>
           <a:xfrm>
-            <a:off x="2589212" y="1570773"/>
-            <a:ext cx="6533134" cy="4903275"/>
+            <a:off x="1260035" y="3915"/>
+            <a:ext cx="9893808" cy="6854085"/>
           </a:xfrm>
           <a:prstGeom prst="rect">
             <a:avLst/>
           </a:prstGeom>
         </p:spPr>
       </p:pic>
+      <p:sp>
+        <p:nvSpPr>
+          <p:cNvPr id="2" name="Заголовок 1">
+            <a:extLst>
+              <a:ext uri="{FF2B5EF4-FFF2-40B4-BE49-F238E27FC236}">
+                <a16:creationId xmlns:a16="http://schemas.microsoft.com/office/drawing/2014/main" id="{24C823EF-B789-5A8A-CFF6-2AE0333FFA0B}"/>
+              </a:ext>
+            </a:extLst>
+          </p:cNvPr>
+          <p:cNvSpPr>
+            <a:spLocks noGrp="1"/>
+          </p:cNvSpPr>
+          <p:nvPr>
+            <p:ph type="title"/>
+          </p:nvPr>
+        </p:nvSpPr>
+        <p:spPr>
+          <a:xfrm>
+            <a:off x="1751096" y="711196"/>
+            <a:ext cx="8911687" cy="1280890"/>
+          </a:xfrm>
+        </p:spPr>
+        <p:txBody>
+          <a:bodyPr/>
+          <a:lstStyle/>
+          <a:p>
+            <a:endParaRPr lang="ru-RU" dirty="0"/>
+          </a:p>
+        </p:txBody>
+      </p:sp>
     </p:spTree>
     <p:extLst>
       <p:ext uri="{BB962C8B-B14F-4D97-AF65-F5344CB8AC3E}">

--- a/Презентация Microsoft PowerPoint (2).pptx
+++ b/Презентация Microsoft PowerPoint (2).pptx
@@ -7915,8 +7915,8 @@
         </p:blipFill>
         <p:spPr>
           <a:xfrm>
-            <a:off x="1260035" y="3915"/>
-            <a:ext cx="9893808" cy="6854085"/>
+            <a:off x="1751096" y="550926"/>
+            <a:ext cx="8308946" cy="5756148"/>
           </a:xfrm>
           <a:prstGeom prst="rect">
             <a:avLst/>

--- a/Презентация Microsoft PowerPoint (2).pptx
+++ b/Презентация Microsoft PowerPoint (2).pptx
@@ -7792,7 +7792,7 @@
           <a:p>
             <a:r>
               <a:rPr lang="ru-RU" dirty="0"/>
-              <a:t>Стек технологий</a:t>
+              <a:t>Выбранный стек</a:t>
             </a:r>
           </a:p>
         </p:txBody>

--- a/Презентация Microsoft PowerPoint (2).pptx
+++ b/Презентация Microsoft PowerPoint (2).pptx
@@ -8544,12 +8544,21 @@
             <p:ph idx="1"/>
           </p:nvPr>
         </p:nvSpPr>
-        <p:spPr/>
+        <p:spPr>
+          <a:xfrm>
+            <a:off x="2589212" y="5513832"/>
+            <a:ext cx="8915400" cy="397390"/>
+          </a:xfrm>
+        </p:spPr>
         <p:txBody>
           <a:bodyPr/>
           <a:lstStyle/>
           <a:p>
-            <a:endParaRPr lang="ru-RU"/>
+            <a:r>
+              <a:rPr lang="en-US" dirty="0"/>
+              <a:t>https://github.com/NikitaMasalov/MouthProjectt</a:t>
+            </a:r>
+            <a:endParaRPr lang="ru-RU" dirty="0"/>
           </a:p>
         </p:txBody>
       </p:sp>
